--- a/Presentation-git.pptx
+++ b/Presentation-git.pptx
@@ -11,6 +11,14 @@
     <p:sldId id="259" r:id="rId5"/>
     <p:sldId id="260" r:id="rId6"/>
     <p:sldId id="261" r:id="rId7"/>
+    <p:sldId id="269" r:id="rId8"/>
+    <p:sldId id="262" r:id="rId9"/>
+    <p:sldId id="263" r:id="rId10"/>
+    <p:sldId id="264" r:id="rId11"/>
+    <p:sldId id="265" r:id="rId12"/>
+    <p:sldId id="267" r:id="rId13"/>
+    <p:sldId id="266" r:id="rId14"/>
+    <p:sldId id="268" r:id="rId15"/>
   </p:sldIdLst>
   <p:sldSz cx="12192000" cy="6858000"/>
   <p:notesSz cx="6858000" cy="9144000"/>
@@ -109,6 +117,11 @@
       </a:defRPr>
     </a:lvl9pPr>
   </p:defaultTextStyle>
+  <p:extLst>
+    <p:ext uri="{EFAFB233-063F-42B5-8137-9DF3F51BA10A}">
+      <p15:sldGuideLst xmlns:p15="http://schemas.microsoft.com/office/powerpoint/2012/main"/>
+    </p:ext>
+  </p:extLst>
 </p:presentation>
 </file>
 
@@ -243,7 +256,7 @@
           <a:p>
             <a:fld id="{627CF016-90A3-0046-8F72-2BF710FB97DD}" type="datetimeFigureOut">
               <a:rPr lang="en-US" smtClean="0"/>
-              <a:t>8/4/19</a:t>
+              <a:t>8/5/19</a:t>
             </a:fld>
             <a:endParaRPr lang="en-US"/>
           </a:p>
@@ -413,7 +426,7 @@
           <a:p>
             <a:fld id="{627CF016-90A3-0046-8F72-2BF710FB97DD}" type="datetimeFigureOut">
               <a:rPr lang="en-US" smtClean="0"/>
-              <a:t>8/4/19</a:t>
+              <a:t>8/5/19</a:t>
             </a:fld>
             <a:endParaRPr lang="en-US"/>
           </a:p>
@@ -593,7 +606,7 @@
           <a:p>
             <a:fld id="{627CF016-90A3-0046-8F72-2BF710FB97DD}" type="datetimeFigureOut">
               <a:rPr lang="en-US" smtClean="0"/>
-              <a:t>8/4/19</a:t>
+              <a:t>8/5/19</a:t>
             </a:fld>
             <a:endParaRPr lang="en-US"/>
           </a:p>
@@ -763,7 +776,7 @@
           <a:p>
             <a:fld id="{627CF016-90A3-0046-8F72-2BF710FB97DD}" type="datetimeFigureOut">
               <a:rPr lang="en-US" smtClean="0"/>
-              <a:t>8/4/19</a:t>
+              <a:t>8/5/19</a:t>
             </a:fld>
             <a:endParaRPr lang="en-US"/>
           </a:p>
@@ -1009,7 +1022,7 @@
           <a:p>
             <a:fld id="{627CF016-90A3-0046-8F72-2BF710FB97DD}" type="datetimeFigureOut">
               <a:rPr lang="en-US" smtClean="0"/>
-              <a:t>8/4/19</a:t>
+              <a:t>8/5/19</a:t>
             </a:fld>
             <a:endParaRPr lang="en-US"/>
           </a:p>
@@ -1241,7 +1254,7 @@
           <a:p>
             <a:fld id="{627CF016-90A3-0046-8F72-2BF710FB97DD}" type="datetimeFigureOut">
               <a:rPr lang="en-US" smtClean="0"/>
-              <a:t>8/4/19</a:t>
+              <a:t>8/5/19</a:t>
             </a:fld>
             <a:endParaRPr lang="en-US"/>
           </a:p>
@@ -1608,7 +1621,7 @@
           <a:p>
             <a:fld id="{627CF016-90A3-0046-8F72-2BF710FB97DD}" type="datetimeFigureOut">
               <a:rPr lang="en-US" smtClean="0"/>
-              <a:t>8/4/19</a:t>
+              <a:t>8/5/19</a:t>
             </a:fld>
             <a:endParaRPr lang="en-US"/>
           </a:p>
@@ -1726,7 +1739,7 @@
           <a:p>
             <a:fld id="{627CF016-90A3-0046-8F72-2BF710FB97DD}" type="datetimeFigureOut">
               <a:rPr lang="en-US" smtClean="0"/>
-              <a:t>8/4/19</a:t>
+              <a:t>8/5/19</a:t>
             </a:fld>
             <a:endParaRPr lang="en-US"/>
           </a:p>
@@ -1821,7 +1834,7 @@
           <a:p>
             <a:fld id="{627CF016-90A3-0046-8F72-2BF710FB97DD}" type="datetimeFigureOut">
               <a:rPr lang="en-US" smtClean="0"/>
-              <a:t>8/4/19</a:t>
+              <a:t>8/5/19</a:t>
             </a:fld>
             <a:endParaRPr lang="en-US"/>
           </a:p>
@@ -2098,7 +2111,7 @@
           <a:p>
             <a:fld id="{627CF016-90A3-0046-8F72-2BF710FB97DD}" type="datetimeFigureOut">
               <a:rPr lang="en-US" smtClean="0"/>
-              <a:t>8/4/19</a:t>
+              <a:t>8/5/19</a:t>
             </a:fld>
             <a:endParaRPr lang="en-US"/>
           </a:p>
@@ -2351,7 +2364,7 @@
           <a:p>
             <a:fld id="{627CF016-90A3-0046-8F72-2BF710FB97DD}" type="datetimeFigureOut">
               <a:rPr lang="en-US" smtClean="0"/>
-              <a:t>8/4/19</a:t>
+              <a:t>8/5/19</a:t>
             </a:fld>
             <a:endParaRPr lang="en-US"/>
           </a:p>
@@ -2564,7 +2577,7 @@
           <a:p>
             <a:fld id="{627CF016-90A3-0046-8F72-2BF710FB97DD}" type="datetimeFigureOut">
               <a:rPr lang="en-US" smtClean="0"/>
-              <a:t>8/4/19</a:t>
+              <a:t>8/5/19</a:t>
             </a:fld>
             <a:endParaRPr lang="en-US"/>
           </a:p>
@@ -3025,6 +3038,348 @@
   <p:clrMapOvr>
     <a:masterClrMapping/>
   </p:clrMapOvr>
+  <p:timing>
+    <p:tnLst>
+      <p:par>
+        <p:cTn id="1" dur="indefinite" restart="never" nodeType="tmRoot"/>
+      </p:par>
+    </p:tnLst>
+  </p:timing>
+</p:sld>
+</file>
+
+<file path=ppt/slides/slide10.xml><?xml version="1.0" encoding="utf-8"?>
+<p:sld xmlns:a="http://schemas.openxmlformats.org/drawingml/2006/main" xmlns:r="http://schemas.openxmlformats.org/officeDocument/2006/relationships" xmlns:p="http://schemas.openxmlformats.org/presentationml/2006/main">
+  <p:cSld>
+    <p:spTree>
+      <p:nvGrpSpPr>
+        <p:cNvPr id="1" name=""/>
+        <p:cNvGrpSpPr/>
+        <p:nvPr/>
+      </p:nvGrpSpPr>
+      <p:grpSpPr>
+        <a:xfrm>
+          <a:off x="0" y="0"/>
+          <a:ext cx="0" cy="0"/>
+          <a:chOff x="0" y="0"/>
+          <a:chExt cx="0" cy="0"/>
+        </a:xfrm>
+      </p:grpSpPr>
+      <p:pic>
+        <p:nvPicPr>
+          <p:cNvPr id="2" name="Picture 1"/>
+          <p:cNvPicPr>
+            <a:picLocks noChangeAspect="1"/>
+          </p:cNvPicPr>
+          <p:nvPr/>
+        </p:nvPicPr>
+        <p:blipFill>
+          <a:blip r:embed="rId2">
+            <a:extLst>
+              <a:ext uri="{28A0092B-C50C-407E-A947-70E740481C1C}">
+                <a14:useLocalDpi xmlns:a14="http://schemas.microsoft.com/office/drawing/2010/main" val="0"/>
+              </a:ext>
+            </a:extLst>
+          </a:blip>
+          <a:stretch>
+            <a:fillRect/>
+          </a:stretch>
+        </p:blipFill>
+        <p:spPr>
+          <a:xfrm>
+            <a:off x="0" y="279400"/>
+            <a:ext cx="12192000" cy="6282137"/>
+          </a:xfrm>
+          <a:prstGeom prst="rect">
+            <a:avLst/>
+          </a:prstGeom>
+        </p:spPr>
+      </p:pic>
+    </p:spTree>
+    <p:extLst>
+      <p:ext uri="{BB962C8B-B14F-4D97-AF65-F5344CB8AC3E}">
+        <p14:creationId xmlns:p14="http://schemas.microsoft.com/office/powerpoint/2010/main" val="329399114"/>
+      </p:ext>
+    </p:extLst>
+  </p:cSld>
+  <p:clrMapOvr>
+    <a:masterClrMapping/>
+  </p:clrMapOvr>
+  <p:timing>
+    <p:tnLst>
+      <p:par>
+        <p:cTn id="1" dur="indefinite" restart="never" nodeType="tmRoot"/>
+      </p:par>
+    </p:tnLst>
+  </p:timing>
+</p:sld>
+</file>
+
+<file path=ppt/slides/slide11.xml><?xml version="1.0" encoding="utf-8"?>
+<p:sld xmlns:a="http://schemas.openxmlformats.org/drawingml/2006/main" xmlns:r="http://schemas.openxmlformats.org/officeDocument/2006/relationships" xmlns:p="http://schemas.openxmlformats.org/presentationml/2006/main">
+  <p:cSld>
+    <p:spTree>
+      <p:nvGrpSpPr>
+        <p:cNvPr id="1" name=""/>
+        <p:cNvGrpSpPr/>
+        <p:nvPr/>
+      </p:nvGrpSpPr>
+      <p:grpSpPr>
+        <a:xfrm>
+          <a:off x="0" y="0"/>
+          <a:ext cx="0" cy="0"/>
+          <a:chOff x="0" y="0"/>
+          <a:chExt cx="0" cy="0"/>
+        </a:xfrm>
+      </p:grpSpPr>
+      <p:pic>
+        <p:nvPicPr>
+          <p:cNvPr id="2" name="Picture 1"/>
+          <p:cNvPicPr>
+            <a:picLocks noChangeAspect="1"/>
+          </p:cNvPicPr>
+          <p:nvPr/>
+        </p:nvPicPr>
+        <p:blipFill>
+          <a:blip r:embed="rId2">
+            <a:extLst>
+              <a:ext uri="{28A0092B-C50C-407E-A947-70E740481C1C}">
+                <a14:useLocalDpi xmlns:a14="http://schemas.microsoft.com/office/drawing/2010/main" val="0"/>
+              </a:ext>
+            </a:extLst>
+          </a:blip>
+          <a:stretch>
+            <a:fillRect/>
+          </a:stretch>
+        </p:blipFill>
+        <p:spPr>
+          <a:xfrm>
+            <a:off x="0" y="419100"/>
+            <a:ext cx="12192000" cy="6018023"/>
+          </a:xfrm>
+          <a:prstGeom prst="rect">
+            <a:avLst/>
+          </a:prstGeom>
+        </p:spPr>
+      </p:pic>
+    </p:spTree>
+    <p:extLst>
+      <p:ext uri="{BB962C8B-B14F-4D97-AF65-F5344CB8AC3E}">
+        <p14:creationId xmlns:p14="http://schemas.microsoft.com/office/powerpoint/2010/main" val="2101600241"/>
+      </p:ext>
+    </p:extLst>
+  </p:cSld>
+  <p:clrMapOvr>
+    <a:masterClrMapping/>
+  </p:clrMapOvr>
+  <p:timing>
+    <p:tnLst>
+      <p:par>
+        <p:cTn id="1" dur="indefinite" restart="never" nodeType="tmRoot"/>
+      </p:par>
+    </p:tnLst>
+  </p:timing>
+</p:sld>
+</file>
+
+<file path=ppt/slides/slide12.xml><?xml version="1.0" encoding="utf-8"?>
+<p:sld xmlns:a="http://schemas.openxmlformats.org/drawingml/2006/main" xmlns:r="http://schemas.openxmlformats.org/officeDocument/2006/relationships" xmlns:p="http://schemas.openxmlformats.org/presentationml/2006/main">
+  <p:cSld>
+    <p:spTree>
+      <p:nvGrpSpPr>
+        <p:cNvPr id="1" name=""/>
+        <p:cNvGrpSpPr/>
+        <p:nvPr/>
+      </p:nvGrpSpPr>
+      <p:grpSpPr>
+        <a:xfrm>
+          <a:off x="0" y="0"/>
+          <a:ext cx="0" cy="0"/>
+          <a:chOff x="0" y="0"/>
+          <a:chExt cx="0" cy="0"/>
+        </a:xfrm>
+      </p:grpSpPr>
+      <p:pic>
+        <p:nvPicPr>
+          <p:cNvPr id="2" name="Picture 1"/>
+          <p:cNvPicPr>
+            <a:picLocks noChangeAspect="1"/>
+          </p:cNvPicPr>
+          <p:nvPr/>
+        </p:nvPicPr>
+        <p:blipFill>
+          <a:blip r:embed="rId2">
+            <a:extLst>
+              <a:ext uri="{28A0092B-C50C-407E-A947-70E740481C1C}">
+                <a14:useLocalDpi xmlns:a14="http://schemas.microsoft.com/office/drawing/2010/main" val="0"/>
+              </a:ext>
+            </a:extLst>
+          </a:blip>
+          <a:stretch>
+            <a:fillRect/>
+          </a:stretch>
+        </p:blipFill>
+        <p:spPr>
+          <a:xfrm>
+            <a:off x="0" y="393700"/>
+            <a:ext cx="12192000" cy="6052379"/>
+          </a:xfrm>
+          <a:prstGeom prst="rect">
+            <a:avLst/>
+          </a:prstGeom>
+        </p:spPr>
+      </p:pic>
+    </p:spTree>
+    <p:extLst>
+      <p:ext uri="{BB962C8B-B14F-4D97-AF65-F5344CB8AC3E}">
+        <p14:creationId xmlns:p14="http://schemas.microsoft.com/office/powerpoint/2010/main" val="1662402632"/>
+      </p:ext>
+    </p:extLst>
+  </p:cSld>
+  <p:clrMapOvr>
+    <a:masterClrMapping/>
+  </p:clrMapOvr>
+  <p:timing>
+    <p:tnLst>
+      <p:par>
+        <p:cTn id="1" dur="indefinite" restart="never" nodeType="tmRoot"/>
+      </p:par>
+    </p:tnLst>
+  </p:timing>
+</p:sld>
+</file>
+
+<file path=ppt/slides/slide13.xml><?xml version="1.0" encoding="utf-8"?>
+<p:sld xmlns:a="http://schemas.openxmlformats.org/drawingml/2006/main" xmlns:r="http://schemas.openxmlformats.org/officeDocument/2006/relationships" xmlns:p="http://schemas.openxmlformats.org/presentationml/2006/main">
+  <p:cSld>
+    <p:spTree>
+      <p:nvGrpSpPr>
+        <p:cNvPr id="1" name=""/>
+        <p:cNvGrpSpPr/>
+        <p:nvPr/>
+      </p:nvGrpSpPr>
+      <p:grpSpPr>
+        <a:xfrm>
+          <a:off x="0" y="0"/>
+          <a:ext cx="0" cy="0"/>
+          <a:chOff x="0" y="0"/>
+          <a:chExt cx="0" cy="0"/>
+        </a:xfrm>
+      </p:grpSpPr>
+      <p:pic>
+        <p:nvPicPr>
+          <p:cNvPr id="2" name="Picture 1"/>
+          <p:cNvPicPr>
+            <a:picLocks noChangeAspect="1"/>
+          </p:cNvPicPr>
+          <p:nvPr/>
+        </p:nvPicPr>
+        <p:blipFill>
+          <a:blip r:embed="rId2">
+            <a:extLst>
+              <a:ext uri="{28A0092B-C50C-407E-A947-70E740481C1C}">
+                <a14:useLocalDpi xmlns:a14="http://schemas.microsoft.com/office/drawing/2010/main" val="0"/>
+              </a:ext>
+            </a:extLst>
+          </a:blip>
+          <a:stretch>
+            <a:fillRect/>
+          </a:stretch>
+        </p:blipFill>
+        <p:spPr>
+          <a:xfrm>
+            <a:off x="0" y="558800"/>
+            <a:ext cx="12192000" cy="5718928"/>
+          </a:xfrm>
+          <a:prstGeom prst="rect">
+            <a:avLst/>
+          </a:prstGeom>
+        </p:spPr>
+      </p:pic>
+    </p:spTree>
+    <p:extLst>
+      <p:ext uri="{BB962C8B-B14F-4D97-AF65-F5344CB8AC3E}">
+        <p14:creationId xmlns:p14="http://schemas.microsoft.com/office/powerpoint/2010/main" val="1164621292"/>
+      </p:ext>
+    </p:extLst>
+  </p:cSld>
+  <p:clrMapOvr>
+    <a:masterClrMapping/>
+  </p:clrMapOvr>
+  <p:timing>
+    <p:tnLst>
+      <p:par>
+        <p:cTn id="1" dur="indefinite" restart="never" nodeType="tmRoot"/>
+      </p:par>
+    </p:tnLst>
+  </p:timing>
+</p:sld>
+</file>
+
+<file path=ppt/slides/slide14.xml><?xml version="1.0" encoding="utf-8"?>
+<p:sld xmlns:a="http://schemas.openxmlformats.org/drawingml/2006/main" xmlns:r="http://schemas.openxmlformats.org/officeDocument/2006/relationships" xmlns:p="http://schemas.openxmlformats.org/presentationml/2006/main">
+  <p:cSld>
+    <p:spTree>
+      <p:nvGrpSpPr>
+        <p:cNvPr id="1" name=""/>
+        <p:cNvGrpSpPr/>
+        <p:nvPr/>
+      </p:nvGrpSpPr>
+      <p:grpSpPr>
+        <a:xfrm>
+          <a:off x="0" y="0"/>
+          <a:ext cx="0" cy="0"/>
+          <a:chOff x="0" y="0"/>
+          <a:chExt cx="0" cy="0"/>
+        </a:xfrm>
+      </p:grpSpPr>
+      <p:pic>
+        <p:nvPicPr>
+          <p:cNvPr id="2" name="Picture 1"/>
+          <p:cNvPicPr>
+            <a:picLocks noChangeAspect="1"/>
+          </p:cNvPicPr>
+          <p:nvPr/>
+        </p:nvPicPr>
+        <p:blipFill>
+          <a:blip r:embed="rId2">
+            <a:extLst>
+              <a:ext uri="{28A0092B-C50C-407E-A947-70E740481C1C}">
+                <a14:useLocalDpi xmlns:a14="http://schemas.microsoft.com/office/drawing/2010/main" val="0"/>
+              </a:ext>
+            </a:extLst>
+          </a:blip>
+          <a:stretch>
+            <a:fillRect/>
+          </a:stretch>
+        </p:blipFill>
+        <p:spPr>
+          <a:xfrm>
+            <a:off x="0" y="203200"/>
+            <a:ext cx="12192000" cy="6441558"/>
+          </a:xfrm>
+          <a:prstGeom prst="rect">
+            <a:avLst/>
+          </a:prstGeom>
+        </p:spPr>
+      </p:pic>
+    </p:spTree>
+    <p:extLst>
+      <p:ext uri="{BB962C8B-B14F-4D97-AF65-F5344CB8AC3E}">
+        <p14:creationId xmlns:p14="http://schemas.microsoft.com/office/powerpoint/2010/main" val="1401009335"/>
+      </p:ext>
+    </p:extLst>
+  </p:cSld>
+  <p:clrMapOvr>
+    <a:masterClrMapping/>
+  </p:clrMapOvr>
+  <p:timing>
+    <p:tnLst>
+      <p:par>
+        <p:cTn id="1" dur="indefinite" restart="never" nodeType="tmRoot"/>
+      </p:par>
+    </p:tnLst>
+  </p:timing>
 </p:sld>
 </file>
 
@@ -3107,6 +3462,13 @@
   <p:clrMapOvr>
     <a:masterClrMapping/>
   </p:clrMapOvr>
+  <p:timing>
+    <p:tnLst>
+      <p:par>
+        <p:cTn id="1" dur="indefinite" restart="never" nodeType="tmRoot"/>
+      </p:par>
+    </p:tnLst>
+  </p:timing>
 </p:sld>
 </file>
 
@@ -3167,6 +3529,13 @@
   <p:clrMapOvr>
     <a:masterClrMapping/>
   </p:clrMapOvr>
+  <p:timing>
+    <p:tnLst>
+      <p:par>
+        <p:cTn id="1" dur="indefinite" restart="never" nodeType="tmRoot"/>
+      </p:par>
+    </p:tnLst>
+  </p:timing>
 </p:sld>
 </file>
 
@@ -3227,6 +3596,13 @@
   <p:clrMapOvr>
     <a:masterClrMapping/>
   </p:clrMapOvr>
+  <p:timing>
+    <p:tnLst>
+      <p:par>
+        <p:cTn id="1" dur="indefinite" restart="never" nodeType="tmRoot"/>
+      </p:par>
+    </p:tnLst>
+  </p:timing>
 </p:sld>
 </file>
 
@@ -3287,6 +3663,13 @@
   <p:clrMapOvr>
     <a:masterClrMapping/>
   </p:clrMapOvr>
+  <p:timing>
+    <p:tnLst>
+      <p:par>
+        <p:cTn id="1" dur="indefinite" restart="never" nodeType="tmRoot"/>
+      </p:par>
+    </p:tnLst>
+  </p:timing>
 </p:sld>
 </file>
 
@@ -3347,6 +3730,223 @@
   <p:clrMapOvr>
     <a:masterClrMapping/>
   </p:clrMapOvr>
+  <p:timing>
+    <p:tnLst>
+      <p:par>
+        <p:cTn id="1" dur="indefinite" restart="never" nodeType="tmRoot"/>
+      </p:par>
+    </p:tnLst>
+  </p:timing>
+</p:sld>
+</file>
+
+<file path=ppt/slides/slide7.xml><?xml version="1.0" encoding="utf-8"?>
+<p:sld xmlns:a="http://schemas.openxmlformats.org/drawingml/2006/main" xmlns:r="http://schemas.openxmlformats.org/officeDocument/2006/relationships" xmlns:p="http://schemas.openxmlformats.org/presentationml/2006/main">
+  <p:cSld>
+    <p:spTree>
+      <p:nvGrpSpPr>
+        <p:cNvPr id="1" name=""/>
+        <p:cNvGrpSpPr/>
+        <p:nvPr/>
+      </p:nvGrpSpPr>
+      <p:grpSpPr>
+        <a:xfrm>
+          <a:off x="0" y="0"/>
+          <a:ext cx="0" cy="0"/>
+          <a:chOff x="0" y="0"/>
+          <a:chExt cx="0" cy="0"/>
+        </a:xfrm>
+      </p:grpSpPr>
+      <p:sp>
+        <p:nvSpPr>
+          <p:cNvPr id="2" name="Title 1"/>
+          <p:cNvSpPr>
+            <a:spLocks noGrp="1"/>
+          </p:cNvSpPr>
+          <p:nvPr>
+            <p:ph type="ctrTitle"/>
+          </p:nvPr>
+        </p:nvSpPr>
+        <p:spPr/>
+        <p:txBody>
+          <a:bodyPr/>
+          <a:lstStyle/>
+          <a:p>
+            <a:r>
+              <a:rPr lang="en-US" dirty="0" smtClean="0"/>
+              <a:t>Merging</a:t>
+            </a:r>
+            <a:endParaRPr lang="en-US" dirty="0"/>
+          </a:p>
+        </p:txBody>
+      </p:sp>
+      <p:sp>
+        <p:nvSpPr>
+          <p:cNvPr id="3" name="Subtitle 2"/>
+          <p:cNvSpPr>
+            <a:spLocks noGrp="1"/>
+          </p:cNvSpPr>
+          <p:nvPr>
+            <p:ph type="subTitle" idx="1"/>
+          </p:nvPr>
+        </p:nvSpPr>
+        <p:spPr/>
+        <p:txBody>
+          <a:bodyPr/>
+          <a:lstStyle/>
+          <a:p>
+            <a:r>
+              <a:rPr lang="en-US" dirty="0" smtClean="0"/>
+              <a:t> </a:t>
+            </a:r>
+            <a:endParaRPr lang="en-US" dirty="0"/>
+          </a:p>
+        </p:txBody>
+      </p:sp>
+    </p:spTree>
+    <p:extLst>
+      <p:ext uri="{BB962C8B-B14F-4D97-AF65-F5344CB8AC3E}">
+        <p14:creationId xmlns:p14="http://schemas.microsoft.com/office/powerpoint/2010/main" val="278865342"/>
+      </p:ext>
+    </p:extLst>
+  </p:cSld>
+  <p:clrMapOvr>
+    <a:masterClrMapping/>
+  </p:clrMapOvr>
+</p:sld>
+</file>
+
+<file path=ppt/slides/slide8.xml><?xml version="1.0" encoding="utf-8"?>
+<p:sld xmlns:a="http://schemas.openxmlformats.org/drawingml/2006/main" xmlns:r="http://schemas.openxmlformats.org/officeDocument/2006/relationships" xmlns:p="http://schemas.openxmlformats.org/presentationml/2006/main">
+  <p:cSld>
+    <p:spTree>
+      <p:nvGrpSpPr>
+        <p:cNvPr id="1" name=""/>
+        <p:cNvGrpSpPr/>
+        <p:nvPr/>
+      </p:nvGrpSpPr>
+      <p:grpSpPr>
+        <a:xfrm>
+          <a:off x="0" y="0"/>
+          <a:ext cx="0" cy="0"/>
+          <a:chOff x="0" y="0"/>
+          <a:chExt cx="0" cy="0"/>
+        </a:xfrm>
+      </p:grpSpPr>
+      <p:pic>
+        <p:nvPicPr>
+          <p:cNvPr id="2" name="Picture 1"/>
+          <p:cNvPicPr>
+            <a:picLocks noChangeAspect="1"/>
+          </p:cNvPicPr>
+          <p:nvPr/>
+        </p:nvPicPr>
+        <p:blipFill>
+          <a:blip r:embed="rId2">
+            <a:extLst>
+              <a:ext uri="{28A0092B-C50C-407E-A947-70E740481C1C}">
+                <a14:useLocalDpi xmlns:a14="http://schemas.microsoft.com/office/drawing/2010/main" val="0"/>
+              </a:ext>
+            </a:extLst>
+          </a:blip>
+          <a:stretch>
+            <a:fillRect/>
+          </a:stretch>
+        </p:blipFill>
+        <p:spPr>
+          <a:xfrm>
+            <a:off x="0" y="368300"/>
+            <a:ext cx="12192000" cy="6120365"/>
+          </a:xfrm>
+          <a:prstGeom prst="rect">
+            <a:avLst/>
+          </a:prstGeom>
+        </p:spPr>
+      </p:pic>
+    </p:spTree>
+    <p:extLst>
+      <p:ext uri="{BB962C8B-B14F-4D97-AF65-F5344CB8AC3E}">
+        <p14:creationId xmlns:p14="http://schemas.microsoft.com/office/powerpoint/2010/main" val="2055786236"/>
+      </p:ext>
+    </p:extLst>
+  </p:cSld>
+  <p:clrMapOvr>
+    <a:masterClrMapping/>
+  </p:clrMapOvr>
+  <p:timing>
+    <p:tnLst>
+      <p:par>
+        <p:cTn id="1" dur="indefinite" restart="never" nodeType="tmRoot"/>
+      </p:par>
+    </p:tnLst>
+  </p:timing>
+</p:sld>
+</file>
+
+<file path=ppt/slides/slide9.xml><?xml version="1.0" encoding="utf-8"?>
+<p:sld xmlns:a="http://schemas.openxmlformats.org/drawingml/2006/main" xmlns:r="http://schemas.openxmlformats.org/officeDocument/2006/relationships" xmlns:p="http://schemas.openxmlformats.org/presentationml/2006/main">
+  <p:cSld>
+    <p:spTree>
+      <p:nvGrpSpPr>
+        <p:cNvPr id="1" name=""/>
+        <p:cNvGrpSpPr/>
+        <p:nvPr/>
+      </p:nvGrpSpPr>
+      <p:grpSpPr>
+        <a:xfrm>
+          <a:off x="0" y="0"/>
+          <a:ext cx="0" cy="0"/>
+          <a:chOff x="0" y="0"/>
+          <a:chExt cx="0" cy="0"/>
+        </a:xfrm>
+      </p:grpSpPr>
+      <p:pic>
+        <p:nvPicPr>
+          <p:cNvPr id="2" name="Picture 1"/>
+          <p:cNvPicPr>
+            <a:picLocks noChangeAspect="1"/>
+          </p:cNvPicPr>
+          <p:nvPr/>
+        </p:nvPicPr>
+        <p:blipFill>
+          <a:blip r:embed="rId2">
+            <a:extLst>
+              <a:ext uri="{28A0092B-C50C-407E-A947-70E740481C1C}">
+                <a14:useLocalDpi xmlns:a14="http://schemas.microsoft.com/office/drawing/2010/main" val="0"/>
+              </a:ext>
+            </a:extLst>
+          </a:blip>
+          <a:stretch>
+            <a:fillRect/>
+          </a:stretch>
+        </p:blipFill>
+        <p:spPr>
+          <a:xfrm>
+            <a:off x="0" y="520700"/>
+            <a:ext cx="12192000" cy="5815468"/>
+          </a:xfrm>
+          <a:prstGeom prst="rect">
+            <a:avLst/>
+          </a:prstGeom>
+        </p:spPr>
+      </p:pic>
+    </p:spTree>
+    <p:extLst>
+      <p:ext uri="{BB962C8B-B14F-4D97-AF65-F5344CB8AC3E}">
+        <p14:creationId xmlns:p14="http://schemas.microsoft.com/office/powerpoint/2010/main" val="1055795306"/>
+      </p:ext>
+    </p:extLst>
+  </p:cSld>
+  <p:clrMapOvr>
+    <a:masterClrMapping/>
+  </p:clrMapOvr>
+  <p:timing>
+    <p:tnLst>
+      <p:par>
+        <p:cTn id="1" dur="indefinite" restart="never" nodeType="tmRoot"/>
+      </p:par>
+    </p:tnLst>
+  </p:timing>
 </p:sld>
 </file>
 

--- a/Presentation-git.pptx
+++ b/Presentation-git.pptx
@@ -11,14 +11,18 @@
     <p:sldId id="259" r:id="rId5"/>
     <p:sldId id="260" r:id="rId6"/>
     <p:sldId id="261" r:id="rId7"/>
-    <p:sldId id="269" r:id="rId8"/>
-    <p:sldId id="262" r:id="rId9"/>
-    <p:sldId id="263" r:id="rId10"/>
-    <p:sldId id="264" r:id="rId11"/>
-    <p:sldId id="265" r:id="rId12"/>
-    <p:sldId id="267" r:id="rId13"/>
-    <p:sldId id="266" r:id="rId14"/>
-    <p:sldId id="268" r:id="rId15"/>
+    <p:sldId id="270" r:id="rId8"/>
+    <p:sldId id="271" r:id="rId9"/>
+    <p:sldId id="272" r:id="rId10"/>
+    <p:sldId id="269" r:id="rId11"/>
+    <p:sldId id="262" r:id="rId12"/>
+    <p:sldId id="263" r:id="rId13"/>
+    <p:sldId id="264" r:id="rId14"/>
+    <p:sldId id="265" r:id="rId15"/>
+    <p:sldId id="267" r:id="rId16"/>
+    <p:sldId id="266" r:id="rId17"/>
+    <p:sldId id="268" r:id="rId18"/>
+    <p:sldId id="273" r:id="rId19"/>
   </p:sldIdLst>
   <p:sldSz cx="12192000" cy="6858000"/>
   <p:notesSz cx="6858000" cy="9144000"/>
@@ -3065,6 +3069,216 @@
           <a:chExt cx="0" cy="0"/>
         </a:xfrm>
       </p:grpSpPr>
+      <p:sp>
+        <p:nvSpPr>
+          <p:cNvPr id="2" name="Title 1"/>
+          <p:cNvSpPr>
+            <a:spLocks noGrp="1"/>
+          </p:cNvSpPr>
+          <p:nvPr>
+            <p:ph type="ctrTitle"/>
+          </p:nvPr>
+        </p:nvSpPr>
+        <p:spPr/>
+        <p:txBody>
+          <a:bodyPr/>
+          <a:lstStyle/>
+          <a:p>
+            <a:r>
+              <a:rPr lang="en-US" dirty="0" smtClean="0"/>
+              <a:t>Merging</a:t>
+            </a:r>
+            <a:endParaRPr lang="en-US" dirty="0"/>
+          </a:p>
+        </p:txBody>
+      </p:sp>
+      <p:sp>
+        <p:nvSpPr>
+          <p:cNvPr id="3" name="Subtitle 2"/>
+          <p:cNvSpPr>
+            <a:spLocks noGrp="1"/>
+          </p:cNvSpPr>
+          <p:nvPr>
+            <p:ph type="subTitle" idx="1"/>
+          </p:nvPr>
+        </p:nvSpPr>
+        <p:spPr/>
+        <p:txBody>
+          <a:bodyPr/>
+          <a:lstStyle/>
+          <a:p>
+            <a:r>
+              <a:rPr lang="en-US" dirty="0" smtClean="0"/>
+              <a:t> </a:t>
+            </a:r>
+            <a:endParaRPr lang="en-US" dirty="0"/>
+          </a:p>
+        </p:txBody>
+      </p:sp>
+    </p:spTree>
+    <p:extLst>
+      <p:ext uri="{BB962C8B-B14F-4D97-AF65-F5344CB8AC3E}">
+        <p14:creationId xmlns:p14="http://schemas.microsoft.com/office/powerpoint/2010/main" val="278865342"/>
+      </p:ext>
+    </p:extLst>
+  </p:cSld>
+  <p:clrMapOvr>
+    <a:masterClrMapping/>
+  </p:clrMapOvr>
+</p:sld>
+</file>
+
+<file path=ppt/slides/slide11.xml><?xml version="1.0" encoding="utf-8"?>
+<p:sld xmlns:a="http://schemas.openxmlformats.org/drawingml/2006/main" xmlns:r="http://schemas.openxmlformats.org/officeDocument/2006/relationships" xmlns:p="http://schemas.openxmlformats.org/presentationml/2006/main">
+  <p:cSld>
+    <p:spTree>
+      <p:nvGrpSpPr>
+        <p:cNvPr id="1" name=""/>
+        <p:cNvGrpSpPr/>
+        <p:nvPr/>
+      </p:nvGrpSpPr>
+      <p:grpSpPr>
+        <a:xfrm>
+          <a:off x="0" y="0"/>
+          <a:ext cx="0" cy="0"/>
+          <a:chOff x="0" y="0"/>
+          <a:chExt cx="0" cy="0"/>
+        </a:xfrm>
+      </p:grpSpPr>
+      <p:pic>
+        <p:nvPicPr>
+          <p:cNvPr id="2" name="Picture 1"/>
+          <p:cNvPicPr>
+            <a:picLocks noChangeAspect="1"/>
+          </p:cNvPicPr>
+          <p:nvPr/>
+        </p:nvPicPr>
+        <p:blipFill>
+          <a:blip r:embed="rId2">
+            <a:extLst>
+              <a:ext uri="{28A0092B-C50C-407E-A947-70E740481C1C}">
+                <a14:useLocalDpi xmlns:a14="http://schemas.microsoft.com/office/drawing/2010/main" val="0"/>
+              </a:ext>
+            </a:extLst>
+          </a:blip>
+          <a:stretch>
+            <a:fillRect/>
+          </a:stretch>
+        </p:blipFill>
+        <p:spPr>
+          <a:xfrm>
+            <a:off x="0" y="368300"/>
+            <a:ext cx="12192000" cy="6120365"/>
+          </a:xfrm>
+          <a:prstGeom prst="rect">
+            <a:avLst/>
+          </a:prstGeom>
+        </p:spPr>
+      </p:pic>
+    </p:spTree>
+    <p:extLst>
+      <p:ext uri="{BB962C8B-B14F-4D97-AF65-F5344CB8AC3E}">
+        <p14:creationId xmlns:p14="http://schemas.microsoft.com/office/powerpoint/2010/main" val="2055786236"/>
+      </p:ext>
+    </p:extLst>
+  </p:cSld>
+  <p:clrMapOvr>
+    <a:masterClrMapping/>
+  </p:clrMapOvr>
+  <p:timing>
+    <p:tnLst>
+      <p:par>
+        <p:cTn id="1" dur="indefinite" restart="never" nodeType="tmRoot"/>
+      </p:par>
+    </p:tnLst>
+  </p:timing>
+</p:sld>
+</file>
+
+<file path=ppt/slides/slide12.xml><?xml version="1.0" encoding="utf-8"?>
+<p:sld xmlns:a="http://schemas.openxmlformats.org/drawingml/2006/main" xmlns:r="http://schemas.openxmlformats.org/officeDocument/2006/relationships" xmlns:p="http://schemas.openxmlformats.org/presentationml/2006/main">
+  <p:cSld>
+    <p:spTree>
+      <p:nvGrpSpPr>
+        <p:cNvPr id="1" name=""/>
+        <p:cNvGrpSpPr/>
+        <p:nvPr/>
+      </p:nvGrpSpPr>
+      <p:grpSpPr>
+        <a:xfrm>
+          <a:off x="0" y="0"/>
+          <a:ext cx="0" cy="0"/>
+          <a:chOff x="0" y="0"/>
+          <a:chExt cx="0" cy="0"/>
+        </a:xfrm>
+      </p:grpSpPr>
+      <p:pic>
+        <p:nvPicPr>
+          <p:cNvPr id="2" name="Picture 1"/>
+          <p:cNvPicPr>
+            <a:picLocks noChangeAspect="1"/>
+          </p:cNvPicPr>
+          <p:nvPr/>
+        </p:nvPicPr>
+        <p:blipFill>
+          <a:blip r:embed="rId2">
+            <a:extLst>
+              <a:ext uri="{28A0092B-C50C-407E-A947-70E740481C1C}">
+                <a14:useLocalDpi xmlns:a14="http://schemas.microsoft.com/office/drawing/2010/main" val="0"/>
+              </a:ext>
+            </a:extLst>
+          </a:blip>
+          <a:stretch>
+            <a:fillRect/>
+          </a:stretch>
+        </p:blipFill>
+        <p:spPr>
+          <a:xfrm>
+            <a:off x="0" y="520700"/>
+            <a:ext cx="12192000" cy="5815468"/>
+          </a:xfrm>
+          <a:prstGeom prst="rect">
+            <a:avLst/>
+          </a:prstGeom>
+        </p:spPr>
+      </p:pic>
+    </p:spTree>
+    <p:extLst>
+      <p:ext uri="{BB962C8B-B14F-4D97-AF65-F5344CB8AC3E}">
+        <p14:creationId xmlns:p14="http://schemas.microsoft.com/office/powerpoint/2010/main" val="1055795306"/>
+      </p:ext>
+    </p:extLst>
+  </p:cSld>
+  <p:clrMapOvr>
+    <a:masterClrMapping/>
+  </p:clrMapOvr>
+  <p:timing>
+    <p:tnLst>
+      <p:par>
+        <p:cTn id="1" dur="indefinite" restart="never" nodeType="tmRoot"/>
+      </p:par>
+    </p:tnLst>
+  </p:timing>
+</p:sld>
+</file>
+
+<file path=ppt/slides/slide13.xml><?xml version="1.0" encoding="utf-8"?>
+<p:sld xmlns:a="http://schemas.openxmlformats.org/drawingml/2006/main" xmlns:r="http://schemas.openxmlformats.org/officeDocument/2006/relationships" xmlns:p="http://schemas.openxmlformats.org/presentationml/2006/main">
+  <p:cSld>
+    <p:spTree>
+      <p:nvGrpSpPr>
+        <p:cNvPr id="1" name=""/>
+        <p:cNvGrpSpPr/>
+        <p:nvPr/>
+      </p:nvGrpSpPr>
+      <p:grpSpPr>
+        <a:xfrm>
+          <a:off x="0" y="0"/>
+          <a:ext cx="0" cy="0"/>
+          <a:chOff x="0" y="0"/>
+          <a:chExt cx="0" cy="0"/>
+        </a:xfrm>
+      </p:grpSpPr>
       <p:pic>
         <p:nvPicPr>
           <p:cNvPr id="2" name="Picture 1"/>
@@ -3115,7 +3329,7 @@
 </p:sld>
 </file>
 
-<file path=ppt/slides/slide11.xml><?xml version="1.0" encoding="utf-8"?>
+<file path=ppt/slides/slide14.xml><?xml version="1.0" encoding="utf-8"?>
 <p:sld xmlns:a="http://schemas.openxmlformats.org/drawingml/2006/main" xmlns:r="http://schemas.openxmlformats.org/officeDocument/2006/relationships" xmlns:p="http://schemas.openxmlformats.org/presentationml/2006/main">
   <p:cSld>
     <p:spTree>
@@ -3182,7 +3396,7 @@
 </p:sld>
 </file>
 
-<file path=ppt/slides/slide12.xml><?xml version="1.0" encoding="utf-8"?>
+<file path=ppt/slides/slide15.xml><?xml version="1.0" encoding="utf-8"?>
 <p:sld xmlns:a="http://schemas.openxmlformats.org/drawingml/2006/main" xmlns:r="http://schemas.openxmlformats.org/officeDocument/2006/relationships" xmlns:p="http://schemas.openxmlformats.org/presentationml/2006/main">
   <p:cSld>
     <p:spTree>
@@ -3249,7 +3463,7 @@
 </p:sld>
 </file>
 
-<file path=ppt/slides/slide13.xml><?xml version="1.0" encoding="utf-8"?>
+<file path=ppt/slides/slide16.xml><?xml version="1.0" encoding="utf-8"?>
 <p:sld xmlns:a="http://schemas.openxmlformats.org/drawingml/2006/main" xmlns:r="http://schemas.openxmlformats.org/officeDocument/2006/relationships" xmlns:p="http://schemas.openxmlformats.org/presentationml/2006/main">
   <p:cSld>
     <p:spTree>
@@ -3316,7 +3530,7 @@
 </p:sld>
 </file>
 
-<file path=ppt/slides/slide14.xml><?xml version="1.0" encoding="utf-8"?>
+<file path=ppt/slides/slide17.xml><?xml version="1.0" encoding="utf-8"?>
 <p:sld xmlns:a="http://schemas.openxmlformats.org/drawingml/2006/main" xmlns:r="http://schemas.openxmlformats.org/officeDocument/2006/relationships" xmlns:p="http://schemas.openxmlformats.org/presentationml/2006/main">
   <p:cSld>
     <p:spTree>
@@ -3380,6 +3594,91 @@
       </p:par>
     </p:tnLst>
   </p:timing>
+</p:sld>
+</file>
+
+<file path=ppt/slides/slide18.xml><?xml version="1.0" encoding="utf-8"?>
+<p:sld xmlns:a="http://schemas.openxmlformats.org/drawingml/2006/main" xmlns:r="http://schemas.openxmlformats.org/officeDocument/2006/relationships" xmlns:p="http://schemas.openxmlformats.org/presentationml/2006/main">
+  <p:cSld>
+    <p:spTree>
+      <p:nvGrpSpPr>
+        <p:cNvPr id="1" name=""/>
+        <p:cNvGrpSpPr/>
+        <p:nvPr/>
+      </p:nvGrpSpPr>
+      <p:grpSpPr>
+        <a:xfrm>
+          <a:off x="0" y="0"/>
+          <a:ext cx="0" cy="0"/>
+          <a:chOff x="0" y="0"/>
+          <a:chExt cx="0" cy="0"/>
+        </a:xfrm>
+      </p:grpSpPr>
+      <p:sp>
+        <p:nvSpPr>
+          <p:cNvPr id="2" name="Title 1"/>
+          <p:cNvSpPr>
+            <a:spLocks noGrp="1"/>
+          </p:cNvSpPr>
+          <p:nvPr>
+            <p:ph type="ctrTitle"/>
+          </p:nvPr>
+        </p:nvSpPr>
+        <p:spPr>
+          <a:xfrm>
+            <a:off x="1524000" y="1122362"/>
+            <a:ext cx="9144000" cy="4135437"/>
+          </a:xfrm>
+        </p:spPr>
+        <p:txBody>
+          <a:bodyPr>
+            <a:normAutofit/>
+          </a:bodyPr>
+          <a:lstStyle/>
+          <a:p>
+            <a:r>
+              <a:rPr lang="en-US" dirty="0">
+                <a:hlinkClick r:id="rId2"/>
+              </a:rPr>
+              <a:t>https://git-scm.com/book/en/v2/Git-Internals-Plumbing-and-Porcelain</a:t>
+            </a:r>
+            <a:endParaRPr lang="en-US" dirty="0"/>
+          </a:p>
+        </p:txBody>
+      </p:sp>
+      <p:sp>
+        <p:nvSpPr>
+          <p:cNvPr id="3" name="Subtitle 2"/>
+          <p:cNvSpPr>
+            <a:spLocks noGrp="1"/>
+          </p:cNvSpPr>
+          <p:nvPr>
+            <p:ph type="subTitle" idx="1"/>
+          </p:nvPr>
+        </p:nvSpPr>
+        <p:spPr/>
+        <p:txBody>
+          <a:bodyPr/>
+          <a:lstStyle/>
+          <a:p>
+            <a:r>
+              <a:rPr lang="en-US" dirty="0" smtClean="0"/>
+              <a:t> </a:t>
+            </a:r>
+            <a:endParaRPr lang="en-US" dirty="0"/>
+          </a:p>
+        </p:txBody>
+      </p:sp>
+    </p:spTree>
+    <p:extLst>
+      <p:ext uri="{BB962C8B-B14F-4D97-AF65-F5344CB8AC3E}">
+        <p14:creationId xmlns:p14="http://schemas.microsoft.com/office/powerpoint/2010/main" val="893506825"/>
+      </p:ext>
+    </p:extLst>
+  </p:cSld>
+  <p:clrMapOvr>
+    <a:masterClrMapping/>
+  </p:clrMapOvr>
 </p:sld>
 </file>
 
@@ -3757,56 +4056,40 @@
           <a:chExt cx="0" cy="0"/>
         </a:xfrm>
       </p:grpSpPr>
-      <p:sp>
-        <p:nvSpPr>
-          <p:cNvPr id="2" name="Title 1"/>
-          <p:cNvSpPr>
-            <a:spLocks noGrp="1"/>
-          </p:cNvSpPr>
-          <p:nvPr>
-            <p:ph type="ctrTitle"/>
-          </p:nvPr>
-        </p:nvSpPr>
-        <p:spPr/>
-        <p:txBody>
-          <a:bodyPr/>
-          <a:lstStyle/>
-          <a:p>
-            <a:r>
-              <a:rPr lang="en-US" dirty="0" smtClean="0"/>
-              <a:t>Merging</a:t>
-            </a:r>
-            <a:endParaRPr lang="en-US" dirty="0"/>
-          </a:p>
-        </p:txBody>
-      </p:sp>
-      <p:sp>
-        <p:nvSpPr>
-          <p:cNvPr id="3" name="Subtitle 2"/>
-          <p:cNvSpPr>
-            <a:spLocks noGrp="1"/>
-          </p:cNvSpPr>
-          <p:nvPr>
-            <p:ph type="subTitle" idx="1"/>
-          </p:nvPr>
-        </p:nvSpPr>
-        <p:spPr/>
-        <p:txBody>
-          <a:bodyPr/>
-          <a:lstStyle/>
-          <a:p>
-            <a:r>
-              <a:rPr lang="en-US" dirty="0" smtClean="0"/>
-              <a:t> </a:t>
-            </a:r>
-            <a:endParaRPr lang="en-US" dirty="0"/>
-          </a:p>
-        </p:txBody>
-      </p:sp>
+      <p:pic>
+        <p:nvPicPr>
+          <p:cNvPr id="2" name="Picture 1"/>
+          <p:cNvPicPr>
+            <a:picLocks noChangeAspect="1"/>
+          </p:cNvPicPr>
+          <p:nvPr/>
+        </p:nvPicPr>
+        <p:blipFill>
+          <a:blip r:embed="rId2">
+            <a:extLst>
+              <a:ext uri="{28A0092B-C50C-407E-A947-70E740481C1C}">
+                <a14:useLocalDpi xmlns:a14="http://schemas.microsoft.com/office/drawing/2010/main" val="0"/>
+              </a:ext>
+            </a:extLst>
+          </a:blip>
+          <a:stretch>
+            <a:fillRect/>
+          </a:stretch>
+        </p:blipFill>
+        <p:spPr>
+          <a:xfrm>
+            <a:off x="0" y="228600"/>
+            <a:ext cx="12192000" cy="6388608"/>
+          </a:xfrm>
+          <a:prstGeom prst="rect">
+            <a:avLst/>
+          </a:prstGeom>
+        </p:spPr>
+      </p:pic>
     </p:spTree>
     <p:extLst>
       <p:ext uri="{BB962C8B-B14F-4D97-AF65-F5344CB8AC3E}">
-        <p14:creationId xmlns:p14="http://schemas.microsoft.com/office/powerpoint/2010/main" val="278865342"/>
+        <p14:creationId xmlns:p14="http://schemas.microsoft.com/office/powerpoint/2010/main" val="904113208"/>
       </p:ext>
     </p:extLst>
   </p:cSld>
@@ -3855,8 +4138,8 @@
         </p:blipFill>
         <p:spPr>
           <a:xfrm>
-            <a:off x="0" y="368300"/>
-            <a:ext cx="12192000" cy="6120365"/>
+            <a:off x="1627632" y="264566"/>
+            <a:ext cx="8887968" cy="6363786"/>
           </a:xfrm>
           <a:prstGeom prst="rect">
             <a:avLst/>
@@ -3866,20 +4149,13 @@
     </p:spTree>
     <p:extLst>
       <p:ext uri="{BB962C8B-B14F-4D97-AF65-F5344CB8AC3E}">
-        <p14:creationId xmlns:p14="http://schemas.microsoft.com/office/powerpoint/2010/main" val="2055786236"/>
+        <p14:creationId xmlns:p14="http://schemas.microsoft.com/office/powerpoint/2010/main" val="263996490"/>
       </p:ext>
     </p:extLst>
   </p:cSld>
   <p:clrMapOvr>
     <a:masterClrMapping/>
   </p:clrMapOvr>
-  <p:timing>
-    <p:tnLst>
-      <p:par>
-        <p:cTn id="1" dur="indefinite" restart="never" nodeType="tmRoot"/>
-      </p:par>
-    </p:tnLst>
-  </p:timing>
 </p:sld>
 </file>
 
@@ -3900,53 +4176,305 @@
           <a:chExt cx="0" cy="0"/>
         </a:xfrm>
       </p:grpSpPr>
-      <p:pic>
-        <p:nvPicPr>
-          <p:cNvPr id="2" name="Picture 1"/>
-          <p:cNvPicPr>
-            <a:picLocks noChangeAspect="1"/>
-          </p:cNvPicPr>
-          <p:nvPr/>
-        </p:nvPicPr>
-        <p:blipFill>
-          <a:blip r:embed="rId2">
-            <a:extLst>
-              <a:ext uri="{28A0092B-C50C-407E-A947-70E740481C1C}">
-                <a14:useLocalDpi xmlns:a14="http://schemas.microsoft.com/office/drawing/2010/main" val="0"/>
-              </a:ext>
-            </a:extLst>
-          </a:blip>
-          <a:stretch>
-            <a:fillRect/>
-          </a:stretch>
-        </p:blipFill>
+      <p:sp>
+        <p:nvSpPr>
+          <p:cNvPr id="2" name="Title 1"/>
+          <p:cNvSpPr>
+            <a:spLocks noGrp="1"/>
+          </p:cNvSpPr>
+          <p:nvPr>
+            <p:ph type="title"/>
+          </p:nvPr>
+        </p:nvSpPr>
+        <p:spPr/>
+        <p:txBody>
+          <a:bodyPr/>
+          <a:lstStyle/>
+          <a:p>
+            <a:r>
+              <a:rPr lang="en-US" dirty="0" smtClean="0"/>
+              <a:t> </a:t>
+            </a:r>
+            <a:endParaRPr lang="en-US" dirty="0"/>
+          </a:p>
+        </p:txBody>
+      </p:sp>
+      <p:sp>
+        <p:nvSpPr>
+          <p:cNvPr id="3" name="Content Placeholder 2"/>
+          <p:cNvSpPr>
+            <a:spLocks noGrp="1"/>
+          </p:cNvSpPr>
+          <p:nvPr>
+            <p:ph idx="1"/>
+          </p:nvPr>
+        </p:nvSpPr>
         <p:spPr>
           <a:xfrm>
-            <a:off x="0" y="520700"/>
-            <a:ext cx="12192000" cy="5815468"/>
+            <a:off x="838200" y="365124"/>
+            <a:ext cx="10515600" cy="6090539"/>
           </a:xfrm>
-          <a:prstGeom prst="rect">
-            <a:avLst/>
-          </a:prstGeom>
         </p:spPr>
-      </p:pic>
+        <p:txBody>
+          <a:bodyPr/>
+          <a:lstStyle/>
+          <a:p>
+            <a:pPr marL="0" marR="0" lvl="0" indent="0" defTabSz="914400" eaLnBrk="1" fontAlgn="auto" latinLnBrk="0" hangingPunct="1">
+              <a:lnSpc>
+                <a:spcPct val="100000"/>
+              </a:lnSpc>
+              <a:spcBef>
+                <a:spcPts val="0"/>
+              </a:spcBef>
+              <a:spcAft>
+                <a:spcPts val="0"/>
+              </a:spcAft>
+              <a:buClrTx/>
+              <a:buSzTx/>
+              <a:buFont typeface="Arial" charset="0"/>
+              <a:buNone/>
+              <a:tabLst/>
+              <a:defRPr/>
+            </a:pPr>
+            <a:r>
+              <a:rPr lang="en-US" sz="3600" dirty="0" smtClean="0"/>
+              <a:t>Contents of .</a:t>
+            </a:r>
+            <a:r>
+              <a:rPr lang="en-US" sz="3600" dirty="0" err="1" smtClean="0"/>
+              <a:t>git</a:t>
+            </a:r>
+            <a:r>
+              <a:rPr lang="en-US" sz="3600" dirty="0" smtClean="0"/>
+              <a:t>:</a:t>
+            </a:r>
+          </a:p>
+          <a:p>
+            <a:pPr lvl="1">
+              <a:lnSpc>
+                <a:spcPct val="100000"/>
+              </a:lnSpc>
+              <a:spcBef>
+                <a:spcPts val="0"/>
+              </a:spcBef>
+              <a:buFont typeface="Arial" charset="0"/>
+              <a:buChar char="•"/>
+            </a:pPr>
+            <a:r>
+              <a:rPr lang="en-US" sz="2800" dirty="0" smtClean="0"/>
+              <a:t>Sub-directories:</a:t>
+            </a:r>
+          </a:p>
+          <a:p>
+            <a:pPr lvl="2">
+              <a:lnSpc>
+                <a:spcPct val="100000"/>
+              </a:lnSpc>
+              <a:spcBef>
+                <a:spcPts val="0"/>
+              </a:spcBef>
+              <a:buFont typeface="Arial" charset="0"/>
+              <a:buChar char="•"/>
+            </a:pPr>
+            <a:r>
+              <a:rPr lang="en-US" sz="2400" dirty="0" smtClean="0"/>
+              <a:t>Hooks/</a:t>
+            </a:r>
+          </a:p>
+          <a:p>
+            <a:pPr lvl="2">
+              <a:lnSpc>
+                <a:spcPct val="100000"/>
+              </a:lnSpc>
+              <a:spcBef>
+                <a:spcPts val="0"/>
+              </a:spcBef>
+              <a:buFont typeface="Arial" charset="0"/>
+              <a:buChar char="•"/>
+            </a:pPr>
+            <a:r>
+              <a:rPr lang="en-US" sz="2400" dirty="0" smtClean="0"/>
+              <a:t>Info/ - for .</a:t>
+            </a:r>
+            <a:r>
+              <a:rPr lang="en-US" sz="2400" dirty="0" err="1" smtClean="0"/>
+              <a:t>gitignore</a:t>
+            </a:r>
+            <a:endParaRPr lang="en-US" sz="2400" dirty="0" smtClean="0"/>
+          </a:p>
+          <a:p>
+            <a:pPr lvl="2">
+              <a:lnSpc>
+                <a:spcPct val="100000"/>
+              </a:lnSpc>
+              <a:spcBef>
+                <a:spcPts val="0"/>
+              </a:spcBef>
+              <a:buFont typeface="Arial" charset="0"/>
+              <a:buChar char="•"/>
+            </a:pPr>
+            <a:r>
+              <a:rPr lang="en-US" sz="2400" dirty="0" smtClean="0"/>
+              <a:t>Objects/ -- all objects</a:t>
+            </a:r>
+          </a:p>
+          <a:p>
+            <a:pPr lvl="2">
+              <a:lnSpc>
+                <a:spcPct val="100000"/>
+              </a:lnSpc>
+              <a:spcBef>
+                <a:spcPts val="0"/>
+              </a:spcBef>
+              <a:buFont typeface="Arial" charset="0"/>
+              <a:buChar char="•"/>
+            </a:pPr>
+            <a:r>
+              <a:rPr lang="en-US" sz="2400" dirty="0" err="1" smtClean="0"/>
+              <a:t>Refes</a:t>
+            </a:r>
+            <a:r>
+              <a:rPr lang="en-US" sz="2400" dirty="0" smtClean="0"/>
+              <a:t>/ -- pointers to the </a:t>
+            </a:r>
+            <a:r>
+              <a:rPr lang="en-US" sz="2400" dirty="0" err="1" smtClean="0"/>
+              <a:t>commited</a:t>
+            </a:r>
+            <a:r>
+              <a:rPr lang="en-US" sz="2400" dirty="0" smtClean="0"/>
+              <a:t> objects</a:t>
+            </a:r>
+            <a:endParaRPr lang="en-US" sz="2400" dirty="0"/>
+          </a:p>
+          <a:p>
+            <a:pPr lvl="1">
+              <a:lnSpc>
+                <a:spcPct val="100000"/>
+              </a:lnSpc>
+              <a:spcBef>
+                <a:spcPts val="0"/>
+              </a:spcBef>
+              <a:buFont typeface="Arial" charset="0"/>
+              <a:buChar char="•"/>
+            </a:pPr>
+            <a:r>
+              <a:rPr lang="en-US" sz="2800" dirty="0" smtClean="0"/>
+              <a:t>Files:</a:t>
+            </a:r>
+          </a:p>
+          <a:p>
+            <a:pPr lvl="2">
+              <a:lnSpc>
+                <a:spcPct val="100000"/>
+              </a:lnSpc>
+              <a:spcBef>
+                <a:spcPts val="0"/>
+              </a:spcBef>
+              <a:buFont typeface="Arial" charset="0"/>
+              <a:buChar char="•"/>
+            </a:pPr>
+            <a:r>
+              <a:rPr lang="en-US" sz="2400" dirty="0" smtClean="0"/>
+              <a:t>HEAD </a:t>
+            </a:r>
+            <a:r>
+              <a:rPr lang="mr-IN" sz="2400" dirty="0" smtClean="0"/>
+              <a:t>–</a:t>
+            </a:r>
+            <a:r>
+              <a:rPr lang="en-US" sz="2400" dirty="0" smtClean="0"/>
+              <a:t> current branch</a:t>
+            </a:r>
+          </a:p>
+          <a:p>
+            <a:pPr lvl="2">
+              <a:lnSpc>
+                <a:spcPct val="100000"/>
+              </a:lnSpc>
+              <a:spcBef>
+                <a:spcPts val="0"/>
+              </a:spcBef>
+              <a:buFont typeface="Arial" charset="0"/>
+              <a:buChar char="•"/>
+            </a:pPr>
+            <a:r>
+              <a:rPr lang="en-US" sz="2400" dirty="0" err="1" smtClean="0"/>
+              <a:t>Config</a:t>
+            </a:r>
+            <a:r>
+              <a:rPr lang="en-US" sz="2400" dirty="0" smtClean="0"/>
+              <a:t> </a:t>
+            </a:r>
+            <a:r>
+              <a:rPr lang="mr-IN" sz="2400" dirty="0" smtClean="0"/>
+              <a:t>–</a:t>
+            </a:r>
+            <a:r>
+              <a:rPr lang="en-US" sz="2400" dirty="0" smtClean="0"/>
+              <a:t> </a:t>
+            </a:r>
+            <a:r>
+              <a:rPr lang="en-US" sz="2400" dirty="0" err="1" smtClean="0"/>
+              <a:t>config</a:t>
+            </a:r>
+            <a:r>
+              <a:rPr lang="en-US" sz="2400" dirty="0" smtClean="0"/>
+              <a:t> options</a:t>
+            </a:r>
+          </a:p>
+          <a:p>
+            <a:pPr lvl="2">
+              <a:lnSpc>
+                <a:spcPct val="100000"/>
+              </a:lnSpc>
+              <a:spcBef>
+                <a:spcPts val="0"/>
+              </a:spcBef>
+              <a:buFont typeface="Arial" charset="0"/>
+              <a:buChar char="•"/>
+            </a:pPr>
+            <a:r>
+              <a:rPr lang="en-US" sz="2400" dirty="0" smtClean="0"/>
+              <a:t>Description</a:t>
+            </a:r>
+          </a:p>
+          <a:p>
+            <a:pPr lvl="2">
+              <a:lnSpc>
+                <a:spcPct val="100000"/>
+              </a:lnSpc>
+              <a:spcBef>
+                <a:spcPts val="0"/>
+              </a:spcBef>
+              <a:buFont typeface="Arial" charset="0"/>
+              <a:buChar char="•"/>
+            </a:pPr>
+            <a:r>
+              <a:rPr lang="en-US" sz="2400" dirty="0" smtClean="0"/>
+              <a:t>Index </a:t>
+            </a:r>
+            <a:r>
+              <a:rPr lang="mr-IN" sz="2400" dirty="0" smtClean="0"/>
+              <a:t>–</a:t>
+            </a:r>
+            <a:r>
+              <a:rPr lang="en-US" sz="2400" dirty="0" smtClean="0"/>
+              <a:t> index/staging area</a:t>
+            </a:r>
+          </a:p>
+        </p:txBody>
+      </p:sp>
     </p:spTree>
     <p:extLst>
       <p:ext uri="{BB962C8B-B14F-4D97-AF65-F5344CB8AC3E}">
-        <p14:creationId xmlns:p14="http://schemas.microsoft.com/office/powerpoint/2010/main" val="1055795306"/>
+        <p14:creationId xmlns:p14="http://schemas.microsoft.com/office/powerpoint/2010/main" val="298734992"/>
       </p:ext>
     </p:extLst>
   </p:cSld>
   <p:clrMapOvr>
     <a:masterClrMapping/>
   </p:clrMapOvr>
-  <p:timing>
-    <p:tnLst>
-      <p:par>
-        <p:cTn id="1" dur="indefinite" restart="never" nodeType="tmRoot"/>
-      </p:par>
-    </p:tnLst>
-  </p:timing>
 </p:sld>
 </file>
 
